--- a/업무_관리시스템(수정).pptx
+++ b/업무_관리시스템(수정).pptx
@@ -4367,16 +4367,15 @@
           </p:cNvPicPr>
           <p:nvPr/>
         </p:nvPicPr>
-        <p:blipFill>
+        <p:blipFill rotWithShape="1">
           <a:blip r:embed="rId4"/>
-          <a:stretch>
-            <a:fillRect/>
-          </a:stretch>
+          <a:srcRect l="6139" t="9162" r="4356" b="4527"/>
+          <a:stretch/>
         </p:blipFill>
         <p:spPr>
           <a:xfrm>
-            <a:off x="6720840" y="1298797"/>
-            <a:ext cx="5633720" cy="4787034"/>
+            <a:off x="7066625" y="1737359"/>
+            <a:ext cx="5042518" cy="4131735"/>
           </a:xfrm>
           <a:prstGeom prst="rect">
             <a:avLst/>
